--- a/Slide_layout.pptx
+++ b/Slide_layout.pptx
@@ -5,10 +5,10 @@
     <p:sldMasterId id="2147483660" r:id="rId1"/>
   </p:sldMasterIdLst>
   <p:notesMasterIdLst>
-    <p:notesMasterId r:id="rId19"/>
+    <p:notesMasterId r:id="rId20"/>
   </p:notesMasterIdLst>
   <p:handoutMasterIdLst>
-    <p:handoutMasterId r:id="rId20"/>
+    <p:handoutMasterId r:id="rId21"/>
   </p:handoutMasterIdLst>
   <p:sldIdLst>
     <p:sldId id="256" r:id="rId2"/>
@@ -26,8 +26,9 @@
     <p:sldId id="265" r:id="rId14"/>
     <p:sldId id="266" r:id="rId15"/>
     <p:sldId id="267" r:id="rId16"/>
-    <p:sldId id="268" r:id="rId17"/>
-    <p:sldId id="257" r:id="rId18"/>
+    <p:sldId id="274" r:id="rId17"/>
+    <p:sldId id="268" r:id="rId18"/>
+    <p:sldId id="257" r:id="rId19"/>
   </p:sldIdLst>
   <p:sldSz cx="12192000" cy="6858000"/>
   <p:notesSz cx="6858000" cy="9144000"/>
@@ -231,7 +232,7 @@
           <a:p>
             <a:fld id="{BFA3AAEB-8F2F-41D3-98A8-80D08024D89F}" type="datetimeFigureOut">
               <a:rPr lang="en-US" smtClean="0"/>
-              <a:t>11/21/2020</a:t>
+              <a:t>11/23/2020</a:t>
             </a:fld>
             <a:endParaRPr lang="en-US"/>
           </a:p>
@@ -408,7 +409,7 @@
           <a:p>
             <a:fld id="{47FBDC33-4C7B-4DA4-8EA8-DA5359749FC1}" type="datetimeFigureOut">
               <a:rPr lang="en-US" smtClean="0"/>
-              <a:t>11/21/2020</a:t>
+              <a:t>11/23/2020</a:t>
             </a:fld>
             <a:endParaRPr lang="en-US"/>
           </a:p>
@@ -1894,7 +1895,7 @@
           <a:p>
             <a:fld id="{2505EBD3-60EC-40D5-BFE4-1637701068FE}" type="datetimeFigureOut">
               <a:rPr lang="en-US" smtClean="0"/>
-              <a:t>11/21/2020</a:t>
+              <a:t>11/23/2020</a:t>
             </a:fld>
             <a:endParaRPr lang="en-US"/>
           </a:p>
@@ -2145,7 +2146,7 @@
           <a:p>
             <a:fld id="{2505EBD3-60EC-40D5-BFE4-1637701068FE}" type="datetimeFigureOut">
               <a:rPr lang="en-US" smtClean="0"/>
-              <a:t>11/21/2020</a:t>
+              <a:t>11/23/2020</a:t>
             </a:fld>
             <a:endParaRPr lang="en-US"/>
           </a:p>
@@ -2459,7 +2460,7 @@
           <a:p>
             <a:fld id="{2505EBD3-60EC-40D5-BFE4-1637701068FE}" type="datetimeFigureOut">
               <a:rPr lang="en-US" smtClean="0"/>
-              <a:t>11/21/2020</a:t>
+              <a:t>11/23/2020</a:t>
             </a:fld>
             <a:endParaRPr lang="en-US"/>
           </a:p>
@@ -2800,7 +2801,7 @@
           <a:p>
             <a:fld id="{2505EBD3-60EC-40D5-BFE4-1637701068FE}" type="datetimeFigureOut">
               <a:rPr lang="en-US" smtClean="0"/>
-              <a:t>11/21/2020</a:t>
+              <a:t>11/23/2020</a:t>
             </a:fld>
             <a:endParaRPr lang="en-US"/>
           </a:p>
@@ -3114,7 +3115,7 @@
           <a:p>
             <a:fld id="{2505EBD3-60EC-40D5-BFE4-1637701068FE}" type="datetimeFigureOut">
               <a:rPr lang="en-US" smtClean="0"/>
-              <a:t>11/21/2020</a:t>
+              <a:t>11/23/2020</a:t>
             </a:fld>
             <a:endParaRPr lang="en-US"/>
           </a:p>
@@ -3507,7 +3508,7 @@
           <a:p>
             <a:fld id="{2505EBD3-60EC-40D5-BFE4-1637701068FE}" type="datetimeFigureOut">
               <a:rPr lang="en-US" smtClean="0"/>
-              <a:t>11/21/2020</a:t>
+              <a:t>11/23/2020</a:t>
             </a:fld>
             <a:endParaRPr lang="en-US"/>
           </a:p>
@@ -3677,7 +3678,7 @@
           <a:p>
             <a:fld id="{2505EBD3-60EC-40D5-BFE4-1637701068FE}" type="datetimeFigureOut">
               <a:rPr lang="en-US" smtClean="0"/>
-              <a:t>11/21/2020</a:t>
+              <a:t>11/23/2020</a:t>
             </a:fld>
             <a:endParaRPr lang="en-US"/>
           </a:p>
@@ -3857,7 +3858,7 @@
           <a:p>
             <a:fld id="{2505EBD3-60EC-40D5-BFE4-1637701068FE}" type="datetimeFigureOut">
               <a:rPr lang="en-US" smtClean="0"/>
-              <a:t>11/21/2020</a:t>
+              <a:t>11/23/2020</a:t>
             </a:fld>
             <a:endParaRPr lang="en-US"/>
           </a:p>
@@ -4033,7 +4034,7 @@
           <a:p>
             <a:fld id="{2505EBD3-60EC-40D5-BFE4-1637701068FE}" type="datetimeFigureOut">
               <a:rPr lang="en-US" smtClean="0"/>
-              <a:t>11/21/2020</a:t>
+              <a:t>11/23/2020</a:t>
             </a:fld>
             <a:endParaRPr lang="en-US"/>
           </a:p>
@@ -4280,7 +4281,7 @@
           <a:p>
             <a:fld id="{2505EBD3-60EC-40D5-BFE4-1637701068FE}" type="datetimeFigureOut">
               <a:rPr lang="en-US" smtClean="0"/>
-              <a:t>11/21/2020</a:t>
+              <a:t>11/23/2020</a:t>
             </a:fld>
             <a:endParaRPr lang="en-US"/>
           </a:p>
@@ -4512,7 +4513,7 @@
           <a:p>
             <a:fld id="{2505EBD3-60EC-40D5-BFE4-1637701068FE}" type="datetimeFigureOut">
               <a:rPr lang="en-US" smtClean="0"/>
-              <a:t>11/21/2020</a:t>
+              <a:t>11/23/2020</a:t>
             </a:fld>
             <a:endParaRPr lang="en-US"/>
           </a:p>
@@ -4886,7 +4887,7 @@
           <a:p>
             <a:fld id="{2505EBD3-60EC-40D5-BFE4-1637701068FE}" type="datetimeFigureOut">
               <a:rPr lang="en-US" smtClean="0"/>
-              <a:t>11/21/2020</a:t>
+              <a:t>11/23/2020</a:t>
             </a:fld>
             <a:endParaRPr lang="en-US"/>
           </a:p>
@@ -5009,7 +5010,7 @@
           <a:p>
             <a:fld id="{2505EBD3-60EC-40D5-BFE4-1637701068FE}" type="datetimeFigureOut">
               <a:rPr lang="en-US" smtClean="0"/>
-              <a:t>11/21/2020</a:t>
+              <a:t>11/23/2020</a:t>
             </a:fld>
             <a:endParaRPr lang="en-US"/>
           </a:p>
@@ -5104,7 +5105,7 @@
           <a:p>
             <a:fld id="{2505EBD3-60EC-40D5-BFE4-1637701068FE}" type="datetimeFigureOut">
               <a:rPr lang="en-US" smtClean="0"/>
-              <a:t>11/21/2020</a:t>
+              <a:t>11/23/2020</a:t>
             </a:fld>
             <a:endParaRPr lang="en-US"/>
           </a:p>
@@ -5359,7 +5360,7 @@
           <a:p>
             <a:fld id="{2505EBD3-60EC-40D5-BFE4-1637701068FE}" type="datetimeFigureOut">
               <a:rPr lang="en-US" smtClean="0"/>
-              <a:t>11/21/2020</a:t>
+              <a:t>11/23/2020</a:t>
             </a:fld>
             <a:endParaRPr lang="en-US"/>
           </a:p>
@@ -5622,7 +5623,7 @@
           <a:p>
             <a:fld id="{2505EBD3-60EC-40D5-BFE4-1637701068FE}" type="datetimeFigureOut">
               <a:rPr lang="en-US" smtClean="0"/>
-              <a:t>11/21/2020</a:t>
+              <a:t>11/23/2020</a:t>
             </a:fld>
             <a:endParaRPr lang="en-US"/>
           </a:p>
@@ -6365,7 +6366,7 @@
           <a:p>
             <a:fld id="{2505EBD3-60EC-40D5-BFE4-1637701068FE}" type="datetimeFigureOut">
               <a:rPr lang="en-US" smtClean="0"/>
-              <a:t>11/21/2020</a:t>
+              <a:t>11/23/2020</a:t>
             </a:fld>
             <a:endParaRPr lang="en-US"/>
           </a:p>
@@ -8028,6 +8029,105 @@
           <p:cNvPr id="2" name="Title 1">
             <a:extLst>
               <a:ext uri="{FF2B5EF4-FFF2-40B4-BE49-F238E27FC236}">
+                <a16:creationId xmlns:a16="http://schemas.microsoft.com/office/drawing/2014/main" id="{AF52A4F8-720A-4BF3-9B9B-03048EE12A3C}"/>
+              </a:ext>
+            </a:extLst>
+          </p:cNvPr>
+          <p:cNvSpPr>
+            <a:spLocks noGrp="1"/>
+          </p:cNvSpPr>
+          <p:nvPr>
+            <p:ph type="title"/>
+          </p:nvPr>
+        </p:nvSpPr>
+        <p:spPr>
+          <a:xfrm>
+            <a:off x="-1" y="0"/>
+            <a:ext cx="10886303" cy="1320800"/>
+          </a:xfrm>
+        </p:spPr>
+        <p:txBody>
+          <a:bodyPr/>
+          <a:lstStyle/>
+          <a:p>
+            <a:r>
+              <a:rPr lang="en-GB"/>
+              <a:t>GIAO DIỆN BÁO CHI TIÊU THEO CÁC TÙY CHỌN</a:t>
+            </a:r>
+            <a:endParaRPr lang="en-US"/>
+          </a:p>
+        </p:txBody>
+      </p:sp>
+      <p:pic>
+        <p:nvPicPr>
+          <p:cNvPr id="5" name="Content Placeholder 4">
+            <a:extLst>
+              <a:ext uri="{FF2B5EF4-FFF2-40B4-BE49-F238E27FC236}">
+                <a16:creationId xmlns:a16="http://schemas.microsoft.com/office/drawing/2014/main" id="{70FA64B3-2824-4117-9DE0-13EE037613F9}"/>
+              </a:ext>
+            </a:extLst>
+          </p:cNvPr>
+          <p:cNvPicPr>
+            <a:picLocks noGrp="1" noChangeAspect="1"/>
+          </p:cNvPicPr>
+          <p:nvPr>
+            <p:ph idx="1"/>
+          </p:nvPr>
+        </p:nvPicPr>
+        <p:blipFill>
+          <a:blip r:embed="rId2">
+            <a:extLst>
+              <a:ext uri="{28A0092B-C50C-407E-A947-70E740481C1C}">
+                <a14:useLocalDpi xmlns:a14="http://schemas.microsoft.com/office/drawing/2010/main" val="0"/>
+              </a:ext>
+            </a:extLst>
+          </a:blip>
+          <a:stretch>
+            <a:fillRect/>
+          </a:stretch>
+        </p:blipFill>
+        <p:spPr>
+          <a:xfrm>
+            <a:off x="0" y="2160588"/>
+            <a:ext cx="12192000" cy="4697412"/>
+          </a:xfrm>
+        </p:spPr>
+      </p:pic>
+    </p:spTree>
+    <p:extLst>
+      <p:ext uri="{BB962C8B-B14F-4D97-AF65-F5344CB8AC3E}">
+        <p14:creationId xmlns:p14="http://schemas.microsoft.com/office/powerpoint/2010/main" val="1165862054"/>
+      </p:ext>
+    </p:extLst>
+  </p:cSld>
+  <p:clrMapOvr>
+    <a:masterClrMapping/>
+  </p:clrMapOvr>
+</p:sld>
+</file>
+
+<file path=ppt/slides/slide17.xml><?xml version="1.0" encoding="utf-8"?>
+<p:sld xmlns:a="http://schemas.openxmlformats.org/drawingml/2006/main" xmlns:r="http://schemas.openxmlformats.org/officeDocument/2006/relationships" xmlns:p="http://schemas.openxmlformats.org/presentationml/2006/main">
+  <p:cSld>
+    <p:spTree>
+      <p:nvGrpSpPr>
+        <p:cNvPr id="1" name=""/>
+        <p:cNvGrpSpPr/>
+        <p:nvPr/>
+      </p:nvGrpSpPr>
+      <p:grpSpPr>
+        <a:xfrm>
+          <a:off x="0" y="0"/>
+          <a:ext cx="0" cy="0"/>
+          <a:chOff x="0" y="0"/>
+          <a:chExt cx="0" cy="0"/>
+        </a:xfrm>
+      </p:grpSpPr>
+      <p:sp>
+        <p:nvSpPr>
+          <p:cNvPr id="2" name="Title 1">
+            <a:extLst>
+              <a:ext uri="{FF2B5EF4-FFF2-40B4-BE49-F238E27FC236}">
                 <a16:creationId xmlns:a16="http://schemas.microsoft.com/office/drawing/2014/main" id="{67E7C781-F791-4B7C-AF42-0C775795A555}"/>
               </a:ext>
             </a:extLst>
@@ -8099,7 +8199,7 @@
 </p:sld>
 </file>
 
-<file path=ppt/slides/slide17.xml><?xml version="1.0" encoding="utf-8"?>
+<file path=ppt/slides/slide18.xml><?xml version="1.0" encoding="utf-8"?>
 <p:sld xmlns:a="http://schemas.openxmlformats.org/drawingml/2006/main" xmlns:r="http://schemas.openxmlformats.org/officeDocument/2006/relationships" xmlns:p="http://schemas.openxmlformats.org/presentationml/2006/main">
   <p:cSld>
     <p:spTree>
@@ -9954,36 +10054,42 @@
           </a:p>
         </p:txBody>
       </p:sp>
-      <p:sp>
-        <p:nvSpPr>
-          <p:cNvPr id="3" name="Content Placeholder 2">
+      <p:pic>
+        <p:nvPicPr>
+          <p:cNvPr id="5" name="Picture 4">
             <a:extLst>
               <a:ext uri="{FF2B5EF4-FFF2-40B4-BE49-F238E27FC236}">
-                <a16:creationId xmlns:a16="http://schemas.microsoft.com/office/drawing/2014/main" id="{F7955597-E7FE-427A-9122-96E09440C933}"/>
+                <a16:creationId xmlns:a16="http://schemas.microsoft.com/office/drawing/2014/main" id="{A9A58BED-BBDE-4A09-8DC1-C5B75E1E97DE}"/>
               </a:ext>
             </a:extLst>
           </p:cNvPr>
-          <p:cNvSpPr>
-            <a:spLocks noGrp="1"/>
-          </p:cNvSpPr>
-          <p:nvPr>
-            <p:ph idx="1"/>
-          </p:nvPr>
-        </p:nvSpPr>
+          <p:cNvPicPr>
+            <a:picLocks noChangeAspect="1"/>
+          </p:cNvPicPr>
+          <p:nvPr/>
+        </p:nvPicPr>
+        <p:blipFill>
+          <a:blip r:embed="rId2">
+            <a:extLst>
+              <a:ext uri="{28A0092B-C50C-407E-A947-70E740481C1C}">
+                <a14:useLocalDpi xmlns:a14="http://schemas.microsoft.com/office/drawing/2010/main" val="0"/>
+              </a:ext>
+            </a:extLst>
+          </a:blip>
+          <a:stretch>
+            <a:fillRect/>
+          </a:stretch>
+        </p:blipFill>
         <p:spPr>
           <a:xfrm>
-            <a:off x="0" y="926757"/>
-            <a:ext cx="12192000" cy="5931243"/>
+            <a:off x="0" y="860540"/>
+            <a:ext cx="12116850" cy="5997460"/>
           </a:xfrm>
+          <a:prstGeom prst="rect">
+            <a:avLst/>
+          </a:prstGeom>
         </p:spPr>
-        <p:txBody>
-          <a:bodyPr/>
-          <a:lstStyle/>
-          <a:p>
-            <a:endParaRPr lang="en-US"/>
-          </a:p>
-        </p:txBody>
-      </p:sp>
+      </p:pic>
     </p:spTree>
     <p:extLst>
       <p:ext uri="{BB962C8B-B14F-4D97-AF65-F5344CB8AC3E}">
